--- a/Alien_Invasion.pptx
+++ b/Alien_Invasion.pptx
@@ -296,7 +296,7 @@
             <a:fld id="{5B106E36-FD25-4E2D-B0AA-010F637433A0}" type="datetimeFigureOut">
               <a:rPr lang="ru-RU" smtClean="0"/>
               <a:pPr/>
-              <a:t>08.02.2019</a:t>
+              <a:t>10.02.2019</a:t>
             </a:fld>
             <a:endParaRPr lang="ru-RU"/>
           </a:p>
@@ -463,7 +463,7 @@
             <a:fld id="{5B106E36-FD25-4E2D-B0AA-010F637433A0}" type="datetimeFigureOut">
               <a:rPr lang="ru-RU" smtClean="0"/>
               <a:pPr/>
-              <a:t>08.02.2019</a:t>
+              <a:t>10.02.2019</a:t>
             </a:fld>
             <a:endParaRPr lang="ru-RU"/>
           </a:p>
@@ -640,7 +640,7 @@
             <a:fld id="{5B106E36-FD25-4E2D-B0AA-010F637433A0}" type="datetimeFigureOut">
               <a:rPr lang="ru-RU" smtClean="0"/>
               <a:pPr/>
-              <a:t>08.02.2019</a:t>
+              <a:t>10.02.2019</a:t>
             </a:fld>
             <a:endParaRPr lang="ru-RU"/>
           </a:p>
@@ -807,7 +807,7 @@
             <a:fld id="{5B106E36-FD25-4E2D-B0AA-010F637433A0}" type="datetimeFigureOut">
               <a:rPr lang="ru-RU" smtClean="0"/>
               <a:pPr/>
-              <a:t>08.02.2019</a:t>
+              <a:t>10.02.2019</a:t>
             </a:fld>
             <a:endParaRPr lang="ru-RU"/>
           </a:p>
@@ -1050,7 +1050,7 @@
             <a:fld id="{5B106E36-FD25-4E2D-B0AA-010F637433A0}" type="datetimeFigureOut">
               <a:rPr lang="ru-RU" smtClean="0"/>
               <a:pPr/>
-              <a:t>08.02.2019</a:t>
+              <a:t>10.02.2019</a:t>
             </a:fld>
             <a:endParaRPr lang="ru-RU"/>
           </a:p>
@@ -1335,7 +1335,7 @@
             <a:fld id="{5B106E36-FD25-4E2D-B0AA-010F637433A0}" type="datetimeFigureOut">
               <a:rPr lang="ru-RU" smtClean="0"/>
               <a:pPr/>
-              <a:t>08.02.2019</a:t>
+              <a:t>10.02.2019</a:t>
             </a:fld>
             <a:endParaRPr lang="ru-RU"/>
           </a:p>
@@ -1754,7 +1754,7 @@
             <a:fld id="{5B106E36-FD25-4E2D-B0AA-010F637433A0}" type="datetimeFigureOut">
               <a:rPr lang="ru-RU" smtClean="0"/>
               <a:pPr/>
-              <a:t>08.02.2019</a:t>
+              <a:t>10.02.2019</a:t>
             </a:fld>
             <a:endParaRPr lang="ru-RU"/>
           </a:p>
@@ -1869,7 +1869,7 @@
             <a:fld id="{5B106E36-FD25-4E2D-B0AA-010F637433A0}" type="datetimeFigureOut">
               <a:rPr lang="ru-RU" smtClean="0"/>
               <a:pPr/>
-              <a:t>08.02.2019</a:t>
+              <a:t>10.02.2019</a:t>
             </a:fld>
             <a:endParaRPr lang="ru-RU"/>
           </a:p>
@@ -1961,7 +1961,7 @@
             <a:fld id="{5B106E36-FD25-4E2D-B0AA-010F637433A0}" type="datetimeFigureOut">
               <a:rPr lang="ru-RU" smtClean="0"/>
               <a:pPr/>
-              <a:t>08.02.2019</a:t>
+              <a:t>10.02.2019</a:t>
             </a:fld>
             <a:endParaRPr lang="ru-RU"/>
           </a:p>
@@ -2235,7 +2235,7 @@
             <a:fld id="{5B106E36-FD25-4E2D-B0AA-010F637433A0}" type="datetimeFigureOut">
               <a:rPr lang="ru-RU" smtClean="0"/>
               <a:pPr/>
-              <a:t>08.02.2019</a:t>
+              <a:t>10.02.2019</a:t>
             </a:fld>
             <a:endParaRPr lang="ru-RU"/>
           </a:p>
@@ -2485,7 +2485,7 @@
             <a:fld id="{5B106E36-FD25-4E2D-B0AA-010F637433A0}" type="datetimeFigureOut">
               <a:rPr lang="ru-RU" smtClean="0"/>
               <a:pPr/>
-              <a:t>08.02.2019</a:t>
+              <a:t>10.02.2019</a:t>
             </a:fld>
             <a:endParaRPr lang="ru-RU"/>
           </a:p>
@@ -2698,7 +2698,7 @@
             <a:fld id="{5B106E36-FD25-4E2D-B0AA-010F637433A0}" type="datetimeFigureOut">
               <a:rPr lang="ru-RU" smtClean="0"/>
               <a:pPr/>
-              <a:t>08.02.2019</a:t>
+              <a:t>10.02.2019</a:t>
             </a:fld>
             <a:endParaRPr lang="ru-RU"/>
           </a:p>
@@ -3252,15 +3252,7 @@
                   <a:schemeClr val="bg1"/>
                 </a:solidFill>
               </a:rPr>
-              <a:t>Реализация </a:t>
-            </a:r>
-            <a:r>
-              <a:rPr lang="ru-RU" dirty="0" smtClean="0">
-                <a:solidFill>
-                  <a:schemeClr val="bg1"/>
-                </a:solidFill>
-              </a:rPr>
-              <a:t>игры жанра </a:t>
+              <a:t>Реализация игры жанра </a:t>
             </a:r>
             <a:r>
               <a:rPr lang="en-US" dirty="0" smtClean="0">
@@ -3268,15 +3260,7 @@
                   <a:schemeClr val="bg1"/>
                 </a:solidFill>
               </a:rPr>
-              <a:t>a</a:t>
-            </a:r>
-            <a:r>
-              <a:rPr lang="en-US" dirty="0" smtClean="0">
-                <a:solidFill>
-                  <a:schemeClr val="bg1"/>
-                </a:solidFill>
-              </a:rPr>
-              <a:t>lien invasion.</a:t>
+              <a:t>alien invasion.</a:t>
             </a:r>
             <a:endParaRPr lang="ru-RU" dirty="0">
               <a:solidFill>
@@ -4964,7 +4948,15 @@
                   <a:schemeClr val="bg1"/>
                 </a:solidFill>
               </a:rPr>
-              <a:t> и другие режимы</a:t>
+              <a:t> и другие </a:t>
+            </a:r>
+            <a:r>
+              <a:rPr lang="ru-RU" dirty="0" smtClean="0">
+                <a:solidFill>
+                  <a:schemeClr val="bg1"/>
+                </a:solidFill>
+              </a:rPr>
+              <a:t>режимы.</a:t>
             </a:r>
             <a:endParaRPr lang="ru-RU" dirty="0">
               <a:solidFill>
